--- a/Apresentação.pptx
+++ b/Apresentação.pptx
@@ -4523,7 +4523,7 @@
         </p:blipFill>
         <p:spPr>
           <a:xfrm>
-            <a:off x="736600" y="3429000"/>
+            <a:off x="2024741" y="3429000"/>
             <a:ext cx="8187128" cy="2460738"/>
           </a:xfrm>
           <a:prstGeom prst="rect">
@@ -4545,8 +4545,8 @@
         </p:nvSpPr>
         <p:spPr>
           <a:xfrm>
-            <a:off x="860507" y="1690688"/>
-            <a:ext cx="7939314" cy="646331"/>
+            <a:off x="860506" y="1690688"/>
+            <a:ext cx="10515599" cy="646331"/>
           </a:xfrm>
           <a:prstGeom prst="rect">
             <a:avLst/>
